--- a/chorusPPT.pptx
+++ b/chorusPPT.pptx
@@ -3697,25 +3697,58 @@
           </a:p>
         </p:txBody>
       </p:sp>
-      <p:sp>
-        <p:nvSpPr>
-          <p:cNvPr id="3" name="Content Placeholder 2"/>
-          <p:cNvSpPr>
-            <a:spLocks noGrp="1"/>
-          </p:cNvSpPr>
+      <p:pic>
+        <p:nvPicPr>
+          <p:cNvPr id="4" name="Content Placeholder 3"/>
+          <p:cNvPicPr>
+            <a:picLocks noGrp="1" noChangeAspect="1"/>
+          </p:cNvPicPr>
           <p:nvPr>
             <p:ph idx="1"/>
           </p:nvPr>
-        </p:nvSpPr>
-        <p:spPr/>
-        <p:txBody>
-          <a:bodyPr/>
-          <a:lstStyle/>
-          <a:p>
-            <a:endParaRPr lang="en-US"/>
-          </a:p>
-        </p:txBody>
-      </p:sp>
+        </p:nvPicPr>
+        <p:blipFill rotWithShape="1">
+          <a:blip r:embed="rId2">
+            <a:alphaModFix/>
+            <a:extLst>
+              <a:ext uri="{BEBA8EAE-BF5A-486C-A8C5-ECC9F3942E4B}">
+                <a14:imgProps xmlns:a14="http://schemas.microsoft.com/office/drawing/2010/main">
+                  <a14:imgLayer r:embed="rId3">
+                    <a14:imgEffect>
+                      <a14:sharpenSoften amount="50000"/>
+                    </a14:imgEffect>
+                  </a14:imgLayer>
+                </a14:imgProps>
+              </a:ext>
+              <a:ext uri="{28A0092B-C50C-407E-A947-70E740481C1C}">
+                <a14:useLocalDpi xmlns:a14="http://schemas.microsoft.com/office/drawing/2010/main" val="0"/>
+              </a:ext>
+            </a:extLst>
+          </a:blip>
+          <a:srcRect l="1748" t="7854"/>
+          <a:stretch/>
+        </p:blipFill>
+        <p:spPr>
+          <a:xfrm>
+            <a:off x="1664434" y="2547258"/>
+            <a:ext cx="9177564" cy="2490329"/>
+          </a:xfrm>
+          <a:ln>
+            <a:solidFill>
+              <a:schemeClr val="tx1"/>
+            </a:solidFill>
+          </a:ln>
+          <a:effectLst>
+            <a:glow rad="63500">
+              <a:schemeClr val="accent1">
+                <a:alpha val="40000"/>
+              </a:schemeClr>
+            </a:glow>
+            <a:reflection endPos="3000" dist="50800" dir="5400000" sy="-100000" algn="bl" rotWithShape="0"/>
+            <a:softEdge rad="114300"/>
+          </a:effectLst>
+        </p:spPr>
+      </p:pic>
     </p:spTree>
     <p:extLst>
       <p:ext uri="{BB962C8B-B14F-4D97-AF65-F5344CB8AC3E}">
@@ -3833,7 +3866,11 @@
           <a:bodyPr/>
           <a:lstStyle/>
           <a:p>
-            <a:endParaRPr lang="en-US"/>
+            <a:r>
+              <a:rPr lang="en-US" dirty="0" smtClean="0"/>
+              <a:t>Future plans</a:t>
+            </a:r>
+            <a:endParaRPr lang="en-US" dirty="0"/>
           </a:p>
         </p:txBody>
       </p:sp>

--- a/chorusPPT.pptx
+++ b/chorusPPT.pptx
@@ -7,9 +7,9 @@
   <p:sldIdLst>
     <p:sldId id="256" r:id="rId2"/>
     <p:sldId id="261" r:id="rId3"/>
-    <p:sldId id="257" r:id="rId4"/>
-    <p:sldId id="258" r:id="rId5"/>
-    <p:sldId id="259" r:id="rId6"/>
+    <p:sldId id="259" r:id="rId4"/>
+    <p:sldId id="257" r:id="rId5"/>
+    <p:sldId id="258" r:id="rId6"/>
     <p:sldId id="260" r:id="rId7"/>
   </p:sldIdLst>
   <p:sldSz cx="12192000" cy="6858000"/>
@@ -3697,25 +3697,58 @@
           </a:p>
         </p:txBody>
       </p:sp>
-      <p:sp>
-        <p:nvSpPr>
-          <p:cNvPr id="3" name="Content Placeholder 2"/>
-          <p:cNvSpPr>
-            <a:spLocks noGrp="1"/>
-          </p:cNvSpPr>
+      <p:pic>
+        <p:nvPicPr>
+          <p:cNvPr id="4" name="Content Placeholder 3"/>
+          <p:cNvPicPr>
+            <a:picLocks noGrp="1" noChangeAspect="1"/>
+          </p:cNvPicPr>
           <p:nvPr>
             <p:ph idx="1"/>
           </p:nvPr>
-        </p:nvSpPr>
-        <p:spPr/>
-        <p:txBody>
-          <a:bodyPr/>
-          <a:lstStyle/>
-          <a:p>
-            <a:endParaRPr lang="en-US"/>
-          </a:p>
-        </p:txBody>
-      </p:sp>
+        </p:nvPicPr>
+        <p:blipFill rotWithShape="1">
+          <a:blip r:embed="rId2">
+            <a:alphaModFix/>
+            <a:extLst>
+              <a:ext uri="{BEBA8EAE-BF5A-486C-A8C5-ECC9F3942E4B}">
+                <a14:imgProps xmlns:a14="http://schemas.microsoft.com/office/drawing/2010/main">
+                  <a14:imgLayer r:embed="rId3">
+                    <a14:imgEffect>
+                      <a14:sharpenSoften amount="50000"/>
+                    </a14:imgEffect>
+                  </a14:imgLayer>
+                </a14:imgProps>
+              </a:ext>
+              <a:ext uri="{28A0092B-C50C-407E-A947-70E740481C1C}">
+                <a14:useLocalDpi xmlns:a14="http://schemas.microsoft.com/office/drawing/2010/main" val="0"/>
+              </a:ext>
+            </a:extLst>
+          </a:blip>
+          <a:srcRect l="1748" t="7854"/>
+          <a:stretch/>
+        </p:blipFill>
+        <p:spPr>
+          <a:xfrm>
+            <a:off x="1664434" y="2547258"/>
+            <a:ext cx="9177564" cy="2490329"/>
+          </a:xfrm>
+          <a:ln>
+            <a:solidFill>
+              <a:schemeClr val="tx1"/>
+            </a:solidFill>
+          </a:ln>
+          <a:effectLst>
+            <a:glow rad="63500">
+              <a:schemeClr val="accent1">
+                <a:alpha val="40000"/>
+              </a:schemeClr>
+            </a:glow>
+            <a:reflection endPos="3000" dist="50800" dir="5400000" sy="-100000" algn="bl" rotWithShape="0"/>
+            <a:softEdge rad="114300"/>
+          </a:effectLst>
+        </p:spPr>
+      </p:pic>
     </p:spTree>
     <p:extLst>
       <p:ext uri="{BB962C8B-B14F-4D97-AF65-F5344CB8AC3E}">
@@ -3763,35 +3796,57 @@
           <a:p>
             <a:r>
               <a:rPr lang="en-US" dirty="0" smtClean="0"/>
-              <a:t>Technologies used</a:t>
-            </a:r>
-            <a:endParaRPr lang="en-US" dirty="0"/>
-          </a:p>
-        </p:txBody>
-      </p:sp>
-      <p:sp>
-        <p:nvSpPr>
-          <p:cNvPr id="3" name="Content Placeholder 2"/>
-          <p:cNvSpPr>
-            <a:spLocks noGrp="1"/>
-          </p:cNvSpPr>
+              <a:t>WIREFRAME</a:t>
+            </a:r>
+            <a:endParaRPr lang="en-US" dirty="0"/>
+          </a:p>
+        </p:txBody>
+      </p:sp>
+      <p:pic>
+        <p:nvPicPr>
+          <p:cNvPr id="4" name="Content Placeholder 3"/>
+          <p:cNvPicPr>
+            <a:picLocks noGrp="1" noChangeAspect="1"/>
+          </p:cNvPicPr>
           <p:nvPr>
             <p:ph idx="1"/>
           </p:nvPr>
-        </p:nvSpPr>
-        <p:spPr/>
-        <p:txBody>
-          <a:bodyPr/>
-          <a:lstStyle/>
-          <a:p>
-            <a:endParaRPr lang="en-US"/>
-          </a:p>
-        </p:txBody>
-      </p:sp>
+        </p:nvPicPr>
+        <p:blipFill>
+          <a:blip r:embed="rId2">
+            <a:extLst>
+              <a:ext uri="{28A0092B-C50C-407E-A947-70E740481C1C}">
+                <a14:useLocalDpi xmlns:a14="http://schemas.microsoft.com/office/drawing/2010/main" val="0"/>
+              </a:ext>
+            </a:extLst>
+          </a:blip>
+          <a:stretch>
+            <a:fillRect/>
+          </a:stretch>
+        </p:blipFill>
+        <p:spPr>
+          <a:xfrm>
+            <a:off x="1675090" y="1982258"/>
+            <a:ext cx="9156252" cy="3808942"/>
+          </a:xfrm>
+          <a:ln w="28575">
+            <a:solidFill>
+              <a:schemeClr val="tx1"/>
+            </a:solidFill>
+          </a:ln>
+          <a:effectLst>
+            <a:outerShdw blurRad="50800" dist="50800" dir="5400000" sx="1000" sy="1000" algn="ctr" rotWithShape="0">
+              <a:srgbClr val="000000">
+                <a:alpha val="68000"/>
+              </a:srgbClr>
+            </a:outerShdw>
+          </a:effectLst>
+        </p:spPr>
+      </p:pic>
     </p:spTree>
     <p:extLst>
       <p:ext uri="{BB962C8B-B14F-4D97-AF65-F5344CB8AC3E}">
-        <p14:creationId xmlns:p14="http://schemas.microsoft.com/office/powerpoint/2010/main" val="1271504092"/>
+        <p14:creationId xmlns:p14="http://schemas.microsoft.com/office/powerpoint/2010/main" val="1153210743"/>
       </p:ext>
     </p:extLst>
   </p:cSld>
@@ -3833,7 +3888,11 @@
           <a:bodyPr/>
           <a:lstStyle/>
           <a:p>
-            <a:endParaRPr lang="en-US"/>
+            <a:r>
+              <a:rPr lang="en-US" dirty="0" smtClean="0"/>
+              <a:t>Technologies used</a:t>
+            </a:r>
+            <a:endParaRPr lang="en-US" dirty="0"/>
           </a:p>
         </p:txBody>
       </p:sp>
@@ -3859,7 +3918,7 @@
     </p:spTree>
     <p:extLst>
       <p:ext uri="{BB962C8B-B14F-4D97-AF65-F5344CB8AC3E}">
-        <p14:creationId xmlns:p14="http://schemas.microsoft.com/office/powerpoint/2010/main" val="1882623663"/>
+        <p14:creationId xmlns:p14="http://schemas.microsoft.com/office/powerpoint/2010/main" val="1271504092"/>
       </p:ext>
     </p:extLst>
   </p:cSld>
@@ -3901,7 +3960,11 @@
           <a:bodyPr/>
           <a:lstStyle/>
           <a:p>
-            <a:endParaRPr lang="en-US"/>
+            <a:r>
+              <a:rPr lang="en-US" dirty="0" smtClean="0"/>
+              <a:t>Future plans</a:t>
+            </a:r>
+            <a:endParaRPr lang="en-US" dirty="0"/>
           </a:p>
         </p:txBody>
       </p:sp>
@@ -3927,7 +3990,7 @@
     </p:spTree>
     <p:extLst>
       <p:ext uri="{BB962C8B-B14F-4D97-AF65-F5344CB8AC3E}">
-        <p14:creationId xmlns:p14="http://schemas.microsoft.com/office/powerpoint/2010/main" val="1153210743"/>
+        <p14:creationId xmlns:p14="http://schemas.microsoft.com/office/powerpoint/2010/main" val="1882623663"/>
       </p:ext>
     </p:extLst>
   </p:cSld>

--- a/chorusPPT.pptx
+++ b/chorusPPT.pptx
@@ -109,6 +109,11 @@
       </a:defRPr>
     </a:lvl9pPr>
   </p:defaultTextStyle>
+  <p:extLst>
+    <p:ext uri="{EFAFB233-063F-42B5-8137-9DF3F51BA10A}">
+      <p15:sldGuideLst xmlns:p15="http://schemas.microsoft.com/office/powerpoint/2012/main"/>
+    </p:ext>
+  </p:extLst>
 </p:presentation>
 </file>
 
@@ -3938,29 +3943,47 @@
           <a:bodyPr/>
           <a:lstStyle/>
           <a:p>
-            <a:endParaRPr lang="en-US"/>
-          </a:p>
-        </p:txBody>
-      </p:sp>
-      <p:sp>
-        <p:nvSpPr>
-          <p:cNvPr id="3" name="Content Placeholder 2"/>
-          <p:cNvSpPr>
-            <a:spLocks noGrp="1"/>
-          </p:cNvSpPr>
+            <a:r>
+              <a:rPr lang="en-US" dirty="0" smtClean="0"/>
+              <a:t>Thanks To</a:t>
+            </a:r>
+            <a:r>
+              <a:rPr lang="is-IS" dirty="0" smtClean="0"/>
+              <a:t>…</a:t>
+            </a:r>
+            <a:endParaRPr lang="en-US" dirty="0"/>
+          </a:p>
+        </p:txBody>
+      </p:sp>
+      <p:pic>
+        <p:nvPicPr>
+          <p:cNvPr id="4" name="Content Placeholder 3"/>
+          <p:cNvPicPr>
+            <a:picLocks noGrp="1" noChangeAspect="1"/>
+          </p:cNvPicPr>
           <p:nvPr>
             <p:ph idx="1"/>
           </p:nvPr>
-        </p:nvSpPr>
-        <p:spPr/>
-        <p:txBody>
-          <a:bodyPr/>
-          <a:lstStyle/>
-          <a:p>
-            <a:endParaRPr lang="en-US"/>
-          </a:p>
-        </p:txBody>
-      </p:sp>
+        </p:nvPicPr>
+        <p:blipFill>
+          <a:blip r:embed="rId2">
+            <a:extLst>
+              <a:ext uri="{28A0092B-C50C-407E-A947-70E740481C1C}">
+                <a14:useLocalDpi xmlns:a14="http://schemas.microsoft.com/office/drawing/2010/main" val="0"/>
+              </a:ext>
+            </a:extLst>
+          </a:blip>
+          <a:stretch>
+            <a:fillRect/>
+          </a:stretch>
+        </p:blipFill>
+        <p:spPr>
+          <a:xfrm>
+            <a:off x="5027612" y="2515394"/>
+            <a:ext cx="2451100" cy="2451100"/>
+          </a:xfrm>
+        </p:spPr>
+      </p:pic>
     </p:spTree>
     <p:extLst>
       <p:ext uri="{BB962C8B-B14F-4D97-AF65-F5344CB8AC3E}">

--- a/chorusPPT.pptx
+++ b/chorusPPT.pptx
@@ -9,8 +9,11 @@
     <p:sldId id="261" r:id="rId3"/>
     <p:sldId id="257" r:id="rId4"/>
     <p:sldId id="258" r:id="rId5"/>
-    <p:sldId id="259" r:id="rId6"/>
-    <p:sldId id="260" r:id="rId7"/>
+    <p:sldId id="262" r:id="rId6"/>
+    <p:sldId id="263" r:id="rId7"/>
+    <p:sldId id="264" r:id="rId8"/>
+    <p:sldId id="259" r:id="rId9"/>
+    <p:sldId id="260" r:id="rId10"/>
   </p:sldIdLst>
   <p:sldSz cx="12192000" cy="6858000"/>
   <p:notesSz cx="6858000" cy="9144000"/>
@@ -256,7 +259,7 @@
           <a:p>
             <a:fld id="{48A87A34-81AB-432B-8DAE-1953F412C126}" type="datetimeFigureOut">
               <a:rPr lang="en-US" dirty="0"/>
-              <a:t>5/18/16</a:t>
+              <a:t>5/19/16</a:t>
             </a:fld>
             <a:endParaRPr lang="en-US" dirty="0"/>
           </a:p>
@@ -462,7 +465,7 @@
           <a:p>
             <a:fld id="{48A87A34-81AB-432B-8DAE-1953F412C126}" type="datetimeFigureOut">
               <a:rPr lang="en-US" dirty="0"/>
-              <a:t>5/18/16</a:t>
+              <a:t>5/19/16</a:t>
             </a:fld>
             <a:endParaRPr lang="en-US" dirty="0"/>
           </a:p>
@@ -672,7 +675,7 @@
           <a:p>
             <a:fld id="{48A87A34-81AB-432B-8DAE-1953F412C126}" type="datetimeFigureOut">
               <a:rPr lang="en-US" dirty="0"/>
-              <a:t>5/18/16</a:t>
+              <a:t>5/19/16</a:t>
             </a:fld>
             <a:endParaRPr lang="en-US" dirty="0"/>
           </a:p>
@@ -868,7 +871,7 @@
           <a:p>
             <a:fld id="{48A87A34-81AB-432B-8DAE-1953F412C126}" type="datetimeFigureOut">
               <a:rPr lang="en-US" dirty="0"/>
-              <a:t>5/18/16</a:t>
+              <a:t>5/19/16</a:t>
             </a:fld>
             <a:endParaRPr lang="en-US" dirty="0"/>
           </a:p>
@@ -1142,7 +1145,7 @@
           <a:p>
             <a:fld id="{48A87A34-81AB-432B-8DAE-1953F412C126}" type="datetimeFigureOut">
               <a:rPr lang="en-US" dirty="0"/>
-              <a:t>5/18/16</a:t>
+              <a:t>5/19/16</a:t>
             </a:fld>
             <a:endParaRPr lang="en-US" dirty="0"/>
           </a:p>
@@ -1405,7 +1408,7 @@
           <a:p>
             <a:fld id="{48A87A34-81AB-432B-8DAE-1953F412C126}" type="datetimeFigureOut">
               <a:rPr lang="en-US" dirty="0"/>
-              <a:t>5/18/16</a:t>
+              <a:t>5/19/16</a:t>
             </a:fld>
             <a:endParaRPr lang="en-US" dirty="0"/>
           </a:p>
@@ -1816,7 +1819,7 @@
           <a:p>
             <a:fld id="{48A87A34-81AB-432B-8DAE-1953F412C126}" type="datetimeFigureOut">
               <a:rPr lang="en-US" dirty="0"/>
-              <a:t>5/18/16</a:t>
+              <a:t>5/19/16</a:t>
             </a:fld>
             <a:endParaRPr lang="en-US" dirty="0"/>
           </a:p>
@@ -1960,7 +1963,7 @@
           <a:p>
             <a:fld id="{48A87A34-81AB-432B-8DAE-1953F412C126}" type="datetimeFigureOut">
               <a:rPr lang="en-US" dirty="0"/>
-              <a:t>5/18/16</a:t>
+              <a:t>5/19/16</a:t>
             </a:fld>
             <a:endParaRPr lang="en-US" dirty="0"/>
           </a:p>
@@ -2081,7 +2084,7 @@
           <a:p>
             <a:fld id="{48A87A34-81AB-432B-8DAE-1953F412C126}" type="datetimeFigureOut">
               <a:rPr lang="en-US" dirty="0"/>
-              <a:t>5/18/16</a:t>
+              <a:t>5/19/16</a:t>
             </a:fld>
             <a:endParaRPr lang="en-US" dirty="0"/>
           </a:p>
@@ -2327,7 +2330,7 @@
           <a:p>
             <a:fld id="{48A87A34-81AB-432B-8DAE-1953F412C126}" type="datetimeFigureOut">
               <a:rPr lang="en-US" dirty="0"/>
-              <a:t>5/18/16</a:t>
+              <a:t>5/19/16</a:t>
             </a:fld>
             <a:endParaRPr lang="en-US" dirty="0"/>
           </a:p>
@@ -2768,7 +2771,7 @@
             <a:fld id="{48A87A34-81AB-432B-8DAE-1953F412C126}" type="datetimeFigureOut">
               <a:rPr lang="en-US" dirty="0"/>
               <a:pPr/>
-              <a:t>5/18/16</a:t>
+              <a:t>5/19/16</a:t>
             </a:fld>
             <a:endParaRPr lang="en-US" dirty="0"/>
           </a:p>
@@ -3090,7 +3093,7 @@
             <a:fld id="{48A87A34-81AB-432B-8DAE-1953F412C126}" type="datetimeFigureOut">
               <a:rPr lang="en-US" dirty="0"/>
               <a:pPr/>
-              <a:t>5/18/16</a:t>
+              <a:t>5/19/16</a:t>
             </a:fld>
             <a:endParaRPr lang="en-US" dirty="0"/>
           </a:p>
@@ -3735,8 +3738,8 @@
         </p:blipFill>
         <p:spPr>
           <a:xfrm>
-            <a:off x="1664434" y="2547258"/>
-            <a:ext cx="9177564" cy="2490329"/>
+            <a:off x="1058221" y="2235202"/>
+            <a:ext cx="10389989" cy="3149598"/>
           </a:xfrm>
           <a:ln>
             <a:solidFill>
@@ -3819,10 +3822,138 @@
         </p:nvSpPr>
         <p:spPr/>
         <p:txBody>
-          <a:bodyPr/>
-          <a:lstStyle/>
-          <a:p>
-            <a:endParaRPr lang="en-US"/>
+          <a:bodyPr>
+            <a:normAutofit fontScale="70000" lnSpcReduction="20000"/>
+          </a:bodyPr>
+          <a:lstStyle/>
+          <a:p>
+            <a:pPr>
+              <a:buFont typeface="Wingdings" charset="2"/>
+              <a:buChar char="v"/>
+            </a:pPr>
+            <a:r>
+              <a:rPr lang="en-US" sz="2400" dirty="0" smtClean="0"/>
+              <a:t>Ruby on Rails</a:t>
+            </a:r>
+          </a:p>
+          <a:p>
+            <a:pPr>
+              <a:buFont typeface="Wingdings" charset="2"/>
+              <a:buChar char="v"/>
+            </a:pPr>
+            <a:r>
+              <a:rPr lang="en-US" sz="2400" dirty="0" smtClean="0"/>
+              <a:t>Rails gems – (</a:t>
+            </a:r>
+            <a:r>
+              <a:rPr lang="en-US" sz="2400" dirty="0" err="1" smtClean="0"/>
+              <a:t>erd</a:t>
+            </a:r>
+            <a:r>
+              <a:rPr lang="en-US" sz="2400" dirty="0" smtClean="0"/>
+              <a:t>, </a:t>
+            </a:r>
+            <a:r>
+              <a:rPr lang="en-US" sz="2400" dirty="0" err="1" smtClean="0"/>
+              <a:t>friendlyID</a:t>
+            </a:r>
+            <a:r>
+              <a:rPr lang="en-US" sz="2400" dirty="0" smtClean="0"/>
+              <a:t>, cane,  jQuery-</a:t>
+            </a:r>
+            <a:r>
+              <a:rPr lang="en-US" sz="2400" dirty="0" err="1" smtClean="0"/>
+              <a:t>ui</a:t>
+            </a:r>
+            <a:r>
+              <a:rPr lang="en-US" sz="2400" dirty="0" smtClean="0"/>
+              <a:t>, jQuery-rails)</a:t>
+            </a:r>
+          </a:p>
+          <a:p>
+            <a:pPr>
+              <a:buFont typeface="Wingdings" charset="2"/>
+              <a:buChar char="v"/>
+            </a:pPr>
+            <a:r>
+              <a:rPr lang="en-US" sz="2400" dirty="0" smtClean="0"/>
+              <a:t>PostgreSQL</a:t>
+            </a:r>
+          </a:p>
+          <a:p>
+            <a:pPr>
+              <a:buFont typeface="Wingdings" charset="2"/>
+              <a:buChar char="v"/>
+            </a:pPr>
+            <a:r>
+              <a:rPr lang="en-US" sz="2400" dirty="0" smtClean="0"/>
+              <a:t> jQuery</a:t>
+            </a:r>
+          </a:p>
+          <a:p>
+            <a:pPr>
+              <a:buFont typeface="Wingdings" charset="2"/>
+              <a:buChar char="v"/>
+            </a:pPr>
+            <a:r>
+              <a:rPr lang="en-US" sz="2400" dirty="0" err="1" smtClean="0"/>
+              <a:t>Turbolinks</a:t>
+            </a:r>
+            <a:endParaRPr lang="en-US" sz="2400" dirty="0" smtClean="0"/>
+          </a:p>
+          <a:p>
+            <a:pPr>
+              <a:buFont typeface="Wingdings" charset="2"/>
+              <a:buChar char="v"/>
+            </a:pPr>
+            <a:r>
+              <a:rPr lang="en-US" sz="2400" dirty="0" smtClean="0"/>
+              <a:t>Bootstrap &amp; </a:t>
+            </a:r>
+            <a:r>
+              <a:rPr lang="en-US" sz="2400" dirty="0" err="1" smtClean="0"/>
+              <a:t>Bootswatch</a:t>
+            </a:r>
+            <a:endParaRPr lang="en-US" sz="2400" dirty="0" smtClean="0"/>
+          </a:p>
+          <a:p>
+            <a:pPr>
+              <a:buFont typeface="Wingdings" charset="2"/>
+              <a:buChar char="v"/>
+            </a:pPr>
+            <a:r>
+              <a:rPr lang="en-US" sz="2400" dirty="0" err="1" smtClean="0"/>
+              <a:t>Rspec</a:t>
+            </a:r>
+            <a:endParaRPr lang="en-US" sz="2400" dirty="0" smtClean="0"/>
+          </a:p>
+          <a:p>
+            <a:pPr>
+              <a:buFont typeface="Wingdings" charset="2"/>
+              <a:buChar char="v"/>
+            </a:pPr>
+            <a:r>
+              <a:rPr lang="en-US" sz="2400" dirty="0" smtClean="0"/>
+              <a:t>Sass</a:t>
+            </a:r>
+          </a:p>
+          <a:p>
+            <a:pPr>
+              <a:buFont typeface="Wingdings" charset="2"/>
+              <a:buChar char="v"/>
+            </a:pPr>
+            <a:r>
+              <a:rPr lang="en-US" sz="2400" dirty="0" err="1" smtClean="0"/>
+              <a:t>Heroku</a:t>
+            </a:r>
+            <a:endParaRPr lang="en-US" sz="2400" dirty="0" smtClean="0"/>
+          </a:p>
+          <a:p>
+            <a:pPr>
+              <a:buFont typeface="Wingdings" charset="2"/>
+              <a:buChar char="v"/>
+            </a:pPr>
+            <a:endParaRPr lang="en-US" dirty="0"/>
           </a:p>
         </p:txBody>
       </p:sp>
@@ -3873,28 +4004,94 @@
           <a:p>
             <a:r>
               <a:rPr lang="en-US" dirty="0" smtClean="0"/>
-              <a:t>Future plans</a:t>
-            </a:r>
-            <a:endParaRPr lang="en-US" dirty="0"/>
-          </a:p>
-        </p:txBody>
-      </p:sp>
-      <p:sp>
-        <p:nvSpPr>
-          <p:cNvPr id="3" name="Content Placeholder 2"/>
-          <p:cNvSpPr>
-            <a:spLocks noGrp="1"/>
-          </p:cNvSpPr>
+              <a:t>Wireframe – splash page</a:t>
+            </a:r>
+            <a:endParaRPr lang="en-US" dirty="0"/>
+          </a:p>
+        </p:txBody>
+      </p:sp>
+      <p:pic>
+        <p:nvPicPr>
+          <p:cNvPr id="4" name="Content Placeholder 3"/>
+          <p:cNvPicPr>
+            <a:picLocks noGrp="1" noChangeAspect="1"/>
+          </p:cNvPicPr>
           <p:nvPr>
             <p:ph idx="1"/>
           </p:nvPr>
-        </p:nvSpPr>
-        <p:spPr/>
-        <p:txBody>
-          <a:bodyPr/>
-          <a:lstStyle/>
-          <a:p>
-            <a:endParaRPr lang="en-US"/>
+        </p:nvPicPr>
+        <p:blipFill>
+          <a:blip r:embed="rId2">
+            <a:extLst>
+              <a:ext uri="{28A0092B-C50C-407E-A947-70E740481C1C}">
+                <a14:useLocalDpi xmlns:a14="http://schemas.microsoft.com/office/drawing/2010/main" val="0"/>
+              </a:ext>
+            </a:extLst>
+          </a:blip>
+          <a:stretch>
+            <a:fillRect/>
+          </a:stretch>
+        </p:blipFill>
+        <p:spPr>
+          <a:xfrm>
+            <a:off x="1451579" y="2058194"/>
+            <a:ext cx="5609695" cy="3489364"/>
+          </a:xfrm>
+          <a:ln w="38100">
+            <a:solidFill>
+              <a:schemeClr val="tx1"/>
+            </a:solidFill>
+          </a:ln>
+        </p:spPr>
+      </p:pic>
+      <p:sp>
+        <p:nvSpPr>
+          <p:cNvPr id="6" name="TextBox 5"/>
+          <p:cNvSpPr txBox="1"/>
+          <p:nvPr/>
+        </p:nvSpPr>
+        <p:spPr>
+          <a:xfrm>
+            <a:off x="7924800" y="2058194"/>
+            <a:ext cx="3130054" cy="1323439"/>
+          </a:xfrm>
+          <a:prstGeom prst="rect">
+            <a:avLst/>
+          </a:prstGeom>
+          <a:noFill/>
+        </p:spPr>
+        <p:txBody>
+          <a:bodyPr wrap="square" rtlCol="0">
+            <a:spAutoFit/>
+          </a:bodyPr>
+          <a:lstStyle/>
+          <a:p>
+            <a:pPr marL="285750" indent="-285750">
+              <a:buFont typeface="Arial" charset="0"/>
+              <a:buChar char="•"/>
+            </a:pPr>
+            <a:r>
+              <a:rPr lang="en-US" sz="2000" dirty="0" smtClean="0"/>
+              <a:t>User is able to see the splash page with </a:t>
+            </a:r>
+            <a:r>
+              <a:rPr lang="en-US" sz="2000" dirty="0" err="1" smtClean="0"/>
+              <a:t>nav</a:t>
+            </a:r>
+            <a:r>
+              <a:rPr lang="en-US" sz="2000" dirty="0" smtClean="0"/>
+              <a:t>-bar</a:t>
+            </a:r>
+          </a:p>
+          <a:p>
+            <a:pPr marL="285750" indent="-285750">
+              <a:buFont typeface="Arial" charset="0"/>
+              <a:buChar char="•"/>
+            </a:pPr>
+            <a:r>
+              <a:rPr lang="en-US" sz="2000" dirty="0" smtClean="0"/>
+              <a:t>User is able to log-in / sign-up</a:t>
+            </a:r>
           </a:p>
         </p:txBody>
       </p:sp>
@@ -3945,11 +4142,7 @@
           <a:p>
             <a:r>
               <a:rPr lang="en-US" dirty="0" smtClean="0"/>
-              <a:t>Thanks To</a:t>
-            </a:r>
-            <a:r>
-              <a:rPr lang="is-IS" dirty="0" smtClean="0"/>
-              <a:t>…</a:t>
+              <a:t>WIREFRAME – UNIT SHOW</a:t>
             </a:r>
             <a:endParaRPr lang="en-US" dirty="0"/>
           </a:p>
@@ -3979,15 +4172,80 @@
         </p:blipFill>
         <p:spPr>
           <a:xfrm>
-            <a:off x="5027612" y="2515394"/>
-            <a:ext cx="2451100" cy="2451100"/>
-          </a:xfrm>
+            <a:off x="1451579" y="2087828"/>
+            <a:ext cx="5236105" cy="3311066"/>
+          </a:xfrm>
+          <a:ln w="38100">
+            <a:solidFill>
+              <a:schemeClr val="tx1"/>
+            </a:solidFill>
+          </a:ln>
         </p:spPr>
       </p:pic>
+      <p:sp>
+        <p:nvSpPr>
+          <p:cNvPr id="5" name="TextBox 4"/>
+          <p:cNvSpPr txBox="1"/>
+          <p:nvPr/>
+        </p:nvSpPr>
+        <p:spPr>
+          <a:xfrm>
+            <a:off x="7315200" y="2087828"/>
+            <a:ext cx="3739654" cy="3139321"/>
+          </a:xfrm>
+          <a:prstGeom prst="rect">
+            <a:avLst/>
+          </a:prstGeom>
+          <a:noFill/>
+        </p:spPr>
+        <p:txBody>
+          <a:bodyPr wrap="square" rtlCol="0">
+            <a:spAutoFit/>
+          </a:bodyPr>
+          <a:lstStyle/>
+          <a:p>
+            <a:pPr marL="285750" indent="-285750">
+              <a:buFont typeface="Arial" charset="0"/>
+              <a:buChar char="•"/>
+            </a:pPr>
+            <a:r>
+              <a:rPr lang="en-US" sz="2000" dirty="0" smtClean="0"/>
+              <a:t>Upon log-in/ sign-up, if user is part of a Unit, he/she is able to see the UNIT SHOW page</a:t>
+            </a:r>
+          </a:p>
+          <a:p>
+            <a:pPr marL="285750" indent="-285750">
+              <a:buFont typeface="Arial" charset="0"/>
+              <a:buChar char="•"/>
+            </a:pPr>
+            <a:r>
+              <a:rPr lang="en-US" sz="2000" dirty="0" smtClean="0"/>
+              <a:t>If a user is not a part of a unit, he/she can create or request to Join from UNITS index page.</a:t>
+            </a:r>
+          </a:p>
+          <a:p>
+            <a:pPr marL="285750" indent="-285750">
+              <a:buFont typeface="Arial" charset="0"/>
+              <a:buChar char="•"/>
+            </a:pPr>
+            <a:r>
+              <a:rPr lang="en-US" sz="2000" dirty="0" smtClean="0"/>
+              <a:t> UNIT consists of roommate info cards, link to CHORES INDEX &amp; Unit info</a:t>
+            </a:r>
+          </a:p>
+          <a:p>
+            <a:pPr marL="285750" indent="-285750">
+              <a:buFont typeface="Arial" charset="0"/>
+              <a:buChar char="•"/>
+            </a:pPr>
+            <a:endParaRPr lang="en-US" dirty="0"/>
+          </a:p>
+        </p:txBody>
+      </p:sp>
     </p:spTree>
     <p:extLst>
       <p:ext uri="{BB962C8B-B14F-4D97-AF65-F5344CB8AC3E}">
-        <p14:creationId xmlns:p14="http://schemas.microsoft.com/office/powerpoint/2010/main" val="1153210743"/>
+        <p14:creationId xmlns:p14="http://schemas.microsoft.com/office/powerpoint/2010/main" val="2098095335"/>
       </p:ext>
     </p:extLst>
   </p:cSld>
@@ -4029,7 +4287,369 @@
           <a:bodyPr/>
           <a:lstStyle/>
           <a:p>
-            <a:endParaRPr lang="en-US"/>
+            <a:r>
+              <a:rPr lang="en-US" dirty="0" smtClean="0"/>
+              <a:t>WIREFRAME – CHORES INDEX</a:t>
+            </a:r>
+            <a:endParaRPr lang="en-US" dirty="0"/>
+          </a:p>
+        </p:txBody>
+      </p:sp>
+      <p:pic>
+        <p:nvPicPr>
+          <p:cNvPr id="4" name="Content Placeholder 3"/>
+          <p:cNvPicPr>
+            <a:picLocks noGrp="1" noChangeAspect="1"/>
+          </p:cNvPicPr>
+          <p:nvPr>
+            <p:ph idx="1"/>
+          </p:nvPr>
+        </p:nvPicPr>
+        <p:blipFill>
+          <a:blip r:embed="rId2">
+            <a:extLst>
+              <a:ext uri="{28A0092B-C50C-407E-A947-70E740481C1C}">
+                <a14:useLocalDpi xmlns:a14="http://schemas.microsoft.com/office/drawing/2010/main" val="0"/>
+              </a:ext>
+            </a:extLst>
+          </a:blip>
+          <a:stretch>
+            <a:fillRect/>
+          </a:stretch>
+        </p:blipFill>
+        <p:spPr>
+          <a:xfrm>
+            <a:off x="1451579" y="2073011"/>
+            <a:ext cx="5703888" cy="3484796"/>
+          </a:xfrm>
+          <a:ln w="38100">
+            <a:solidFill>
+              <a:schemeClr val="tx1"/>
+            </a:solidFill>
+          </a:ln>
+        </p:spPr>
+      </p:pic>
+      <p:sp>
+        <p:nvSpPr>
+          <p:cNvPr id="5" name="TextBox 4"/>
+          <p:cNvSpPr txBox="1"/>
+          <p:nvPr/>
+        </p:nvSpPr>
+        <p:spPr>
+          <a:xfrm>
+            <a:off x="7823200" y="2073011"/>
+            <a:ext cx="3231654" cy="3477875"/>
+          </a:xfrm>
+          <a:prstGeom prst="rect">
+            <a:avLst/>
+          </a:prstGeom>
+          <a:noFill/>
+        </p:spPr>
+        <p:txBody>
+          <a:bodyPr wrap="square" rtlCol="0">
+            <a:spAutoFit/>
+          </a:bodyPr>
+          <a:lstStyle/>
+          <a:p>
+            <a:pPr marL="342900" indent="-342900">
+              <a:buFont typeface="Arial" charset="0"/>
+              <a:buChar char="•"/>
+            </a:pPr>
+            <a:r>
+              <a:rPr lang="en-US" sz="2000" dirty="0" smtClean="0"/>
+              <a:t>User is able to see Completed/ Incomplete Chores &amp; Due Date</a:t>
+            </a:r>
+          </a:p>
+          <a:p>
+            <a:pPr marL="342900" indent="-342900">
+              <a:buFont typeface="Arial" charset="0"/>
+              <a:buChar char="•"/>
+            </a:pPr>
+            <a:r>
+              <a:rPr lang="en-US" sz="2000" dirty="0" smtClean="0"/>
+              <a:t>The cards display the chore title &amp; details and who the chore is assigned to</a:t>
+            </a:r>
+          </a:p>
+          <a:p>
+            <a:pPr marL="342900" indent="-342900">
+              <a:buFont typeface="Arial" charset="0"/>
+              <a:buChar char="•"/>
+            </a:pPr>
+            <a:r>
+              <a:rPr lang="en-US" sz="2000" dirty="0" smtClean="0"/>
+              <a:t>User is able to reassign each chore &amp; edit the due date for all of the chores at once</a:t>
+            </a:r>
+            <a:endParaRPr lang="en-US" sz="2000" dirty="0"/>
+          </a:p>
+        </p:txBody>
+      </p:sp>
+    </p:spTree>
+    <p:extLst>
+      <p:ext uri="{BB962C8B-B14F-4D97-AF65-F5344CB8AC3E}">
+        <p14:creationId xmlns:p14="http://schemas.microsoft.com/office/powerpoint/2010/main" val="1591618979"/>
+      </p:ext>
+    </p:extLst>
+  </p:cSld>
+  <p:clrMapOvr>
+    <a:masterClrMapping/>
+  </p:clrMapOvr>
+</p:sld>
+</file>
+
+<file path=ppt/slides/slide7.xml><?xml version="1.0" encoding="utf-8"?>
+<p:sld xmlns:a="http://schemas.openxmlformats.org/drawingml/2006/main" xmlns:r="http://schemas.openxmlformats.org/officeDocument/2006/relationships" xmlns:p="http://schemas.openxmlformats.org/presentationml/2006/main">
+  <p:cSld>
+    <p:spTree>
+      <p:nvGrpSpPr>
+        <p:cNvPr id="1" name=""/>
+        <p:cNvGrpSpPr/>
+        <p:nvPr/>
+      </p:nvGrpSpPr>
+      <p:grpSpPr>
+        <a:xfrm>
+          <a:off x="0" y="0"/>
+          <a:ext cx="0" cy="0"/>
+          <a:chOff x="0" y="0"/>
+          <a:chExt cx="0" cy="0"/>
+        </a:xfrm>
+      </p:grpSpPr>
+      <p:sp>
+        <p:nvSpPr>
+          <p:cNvPr id="2" name="Title 1"/>
+          <p:cNvSpPr>
+            <a:spLocks noGrp="1"/>
+          </p:cNvSpPr>
+          <p:nvPr>
+            <p:ph type="title"/>
+          </p:nvPr>
+        </p:nvSpPr>
+        <p:spPr/>
+        <p:txBody>
+          <a:bodyPr/>
+          <a:lstStyle/>
+          <a:p>
+            <a:r>
+              <a:rPr lang="en-US" dirty="0" smtClean="0"/>
+              <a:t>WIREFRAME – USER show page</a:t>
+            </a:r>
+            <a:endParaRPr lang="en-US" dirty="0"/>
+          </a:p>
+        </p:txBody>
+      </p:sp>
+      <p:pic>
+        <p:nvPicPr>
+          <p:cNvPr id="4" name="Content Placeholder 3"/>
+          <p:cNvPicPr>
+            <a:picLocks noGrp="1" noChangeAspect="1"/>
+          </p:cNvPicPr>
+          <p:nvPr>
+            <p:ph idx="1"/>
+          </p:nvPr>
+        </p:nvPicPr>
+        <p:blipFill>
+          <a:blip r:embed="rId2">
+            <a:extLst>
+              <a:ext uri="{28A0092B-C50C-407E-A947-70E740481C1C}">
+                <a14:useLocalDpi xmlns:a14="http://schemas.microsoft.com/office/drawing/2010/main" val="0"/>
+              </a:ext>
+            </a:extLst>
+          </a:blip>
+          <a:stretch>
+            <a:fillRect/>
+          </a:stretch>
+        </p:blipFill>
+        <p:spPr>
+          <a:xfrm>
+            <a:off x="1451579" y="2206360"/>
+            <a:ext cx="5502805" cy="3330645"/>
+          </a:xfrm>
+          <a:ln w="38100">
+            <a:solidFill>
+              <a:schemeClr val="tx1"/>
+            </a:solidFill>
+          </a:ln>
+        </p:spPr>
+      </p:pic>
+      <p:sp>
+        <p:nvSpPr>
+          <p:cNvPr id="5" name="TextBox 4"/>
+          <p:cNvSpPr txBox="1"/>
+          <p:nvPr/>
+        </p:nvSpPr>
+        <p:spPr>
+          <a:xfrm>
+            <a:off x="7772400" y="2206360"/>
+            <a:ext cx="3031067" cy="1938992"/>
+          </a:xfrm>
+          <a:prstGeom prst="rect">
+            <a:avLst/>
+          </a:prstGeom>
+          <a:noFill/>
+        </p:spPr>
+        <p:txBody>
+          <a:bodyPr wrap="square" rtlCol="0">
+            <a:spAutoFit/>
+          </a:bodyPr>
+          <a:lstStyle/>
+          <a:p>
+            <a:pPr marL="342900" indent="-342900">
+              <a:buFont typeface="Arial" charset="0"/>
+              <a:buChar char="•"/>
+            </a:pPr>
+            <a:r>
+              <a:rPr lang="en-US" sz="2000" dirty="0" smtClean="0"/>
+              <a:t>User’s info with authorization required to Edit &amp; Chores Show cards</a:t>
+            </a:r>
+          </a:p>
+          <a:p>
+            <a:pPr marL="342900" indent="-342900">
+              <a:buFont typeface="Arial" charset="0"/>
+              <a:buChar char="•"/>
+            </a:pPr>
+            <a:r>
+              <a:rPr lang="en-US" sz="2000" smtClean="0"/>
+              <a:t>Back link to User’s Unit Page</a:t>
+            </a:r>
+            <a:endParaRPr lang="en-US" sz="2000"/>
+          </a:p>
+        </p:txBody>
+      </p:sp>
+    </p:spTree>
+    <p:extLst>
+      <p:ext uri="{BB962C8B-B14F-4D97-AF65-F5344CB8AC3E}">
+        <p14:creationId xmlns:p14="http://schemas.microsoft.com/office/powerpoint/2010/main" val="1859674226"/>
+      </p:ext>
+    </p:extLst>
+  </p:cSld>
+  <p:clrMapOvr>
+    <a:masterClrMapping/>
+  </p:clrMapOvr>
+</p:sld>
+</file>
+
+<file path=ppt/slides/slide8.xml><?xml version="1.0" encoding="utf-8"?>
+<p:sld xmlns:a="http://schemas.openxmlformats.org/drawingml/2006/main" xmlns:r="http://schemas.openxmlformats.org/officeDocument/2006/relationships" xmlns:p="http://schemas.openxmlformats.org/presentationml/2006/main">
+  <p:cSld>
+    <p:spTree>
+      <p:nvGrpSpPr>
+        <p:cNvPr id="1" name=""/>
+        <p:cNvGrpSpPr/>
+        <p:nvPr/>
+      </p:nvGrpSpPr>
+      <p:grpSpPr>
+        <a:xfrm>
+          <a:off x="0" y="0"/>
+          <a:ext cx="0" cy="0"/>
+          <a:chOff x="0" y="0"/>
+          <a:chExt cx="0" cy="0"/>
+        </a:xfrm>
+      </p:grpSpPr>
+      <p:sp>
+        <p:nvSpPr>
+          <p:cNvPr id="2" name="Title 1"/>
+          <p:cNvSpPr>
+            <a:spLocks noGrp="1"/>
+          </p:cNvSpPr>
+          <p:nvPr>
+            <p:ph type="title"/>
+          </p:nvPr>
+        </p:nvSpPr>
+        <p:spPr/>
+        <p:txBody>
+          <a:bodyPr/>
+          <a:lstStyle/>
+          <a:p>
+            <a:r>
+              <a:rPr lang="en-US" dirty="0" smtClean="0"/>
+              <a:t>Thanks To</a:t>
+            </a:r>
+            <a:r>
+              <a:rPr lang="is-IS" dirty="0" smtClean="0"/>
+              <a:t>…</a:t>
+            </a:r>
+            <a:endParaRPr lang="en-US" dirty="0"/>
+          </a:p>
+        </p:txBody>
+      </p:sp>
+      <p:pic>
+        <p:nvPicPr>
+          <p:cNvPr id="4" name="Content Placeholder 3"/>
+          <p:cNvPicPr>
+            <a:picLocks noGrp="1" noChangeAspect="1"/>
+          </p:cNvPicPr>
+          <p:nvPr>
+            <p:ph idx="1"/>
+          </p:nvPr>
+        </p:nvPicPr>
+        <p:blipFill>
+          <a:blip r:embed="rId2">
+            <a:extLst>
+              <a:ext uri="{28A0092B-C50C-407E-A947-70E740481C1C}">
+                <a14:useLocalDpi xmlns:a14="http://schemas.microsoft.com/office/drawing/2010/main" val="0"/>
+              </a:ext>
+            </a:extLst>
+          </a:blip>
+          <a:stretch>
+            <a:fillRect/>
+          </a:stretch>
+        </p:blipFill>
+        <p:spPr>
+          <a:xfrm>
+            <a:off x="5027612" y="2515394"/>
+            <a:ext cx="2451100" cy="2451100"/>
+          </a:xfrm>
+        </p:spPr>
+      </p:pic>
+    </p:spTree>
+    <p:extLst>
+      <p:ext uri="{BB962C8B-B14F-4D97-AF65-F5344CB8AC3E}">
+        <p14:creationId xmlns:p14="http://schemas.microsoft.com/office/powerpoint/2010/main" val="1153210743"/>
+      </p:ext>
+    </p:extLst>
+  </p:cSld>
+  <p:clrMapOvr>
+    <a:masterClrMapping/>
+  </p:clrMapOvr>
+</p:sld>
+</file>
+
+<file path=ppt/slides/slide9.xml><?xml version="1.0" encoding="utf-8"?>
+<p:sld xmlns:a="http://schemas.openxmlformats.org/drawingml/2006/main" xmlns:r="http://schemas.openxmlformats.org/officeDocument/2006/relationships" xmlns:p="http://schemas.openxmlformats.org/presentationml/2006/main">
+  <p:cSld>
+    <p:spTree>
+      <p:nvGrpSpPr>
+        <p:cNvPr id="1" name=""/>
+        <p:cNvGrpSpPr/>
+        <p:nvPr/>
+      </p:nvGrpSpPr>
+      <p:grpSpPr>
+        <a:xfrm>
+          <a:off x="0" y="0"/>
+          <a:ext cx="0" cy="0"/>
+          <a:chOff x="0" y="0"/>
+          <a:chExt cx="0" cy="0"/>
+        </a:xfrm>
+      </p:grpSpPr>
+      <p:sp>
+        <p:nvSpPr>
+          <p:cNvPr id="2" name="Title 1"/>
+          <p:cNvSpPr>
+            <a:spLocks noGrp="1"/>
+          </p:cNvSpPr>
+          <p:nvPr>
+            <p:ph type="title"/>
+          </p:nvPr>
+        </p:nvSpPr>
+        <p:spPr/>
+        <p:txBody>
+          <a:bodyPr/>
+          <a:lstStyle/>
+          <a:p>
+            <a:r>
+              <a:rPr lang="en-US" dirty="0" smtClean="0"/>
+              <a:t>Members</a:t>
+            </a:r>
+            <a:endParaRPr lang="en-US" dirty="0"/>
           </a:p>
         </p:txBody>
       </p:sp>
@@ -4048,7 +4668,63 @@
           <a:bodyPr/>
           <a:lstStyle/>
           <a:p>
-            <a:endParaRPr lang="en-US"/>
+            <a:r>
+              <a:rPr lang="en-US" dirty="0" err="1" smtClean="0"/>
+              <a:t>Heroku</a:t>
+            </a:r>
+            <a:r>
+              <a:rPr lang="en-US" dirty="0" smtClean="0"/>
+              <a:t> link: 			</a:t>
+            </a:r>
+            <a:r>
+              <a:rPr lang="en-US" dirty="0" smtClean="0">
+                <a:hlinkClick r:id="rId2"/>
+              </a:rPr>
+              <a:t>https</a:t>
+            </a:r>
+            <a:r>
+              <a:rPr lang="en-US" dirty="0">
+                <a:hlinkClick r:id="rId2"/>
+              </a:rPr>
+              <a:t>://gentle-ocean-15832.herokuapp.com</a:t>
+            </a:r>
+            <a:r>
+              <a:rPr lang="en-US" dirty="0" smtClean="0">
+                <a:hlinkClick r:id="rId2"/>
+              </a:rPr>
+              <a:t>/</a:t>
+            </a:r>
+            <a:endParaRPr lang="en-US" dirty="0" smtClean="0"/>
+          </a:p>
+          <a:p>
+            <a:r>
+              <a:rPr lang="en-US" dirty="0" smtClean="0"/>
+              <a:t>GitHub </a:t>
+            </a:r>
+            <a:r>
+              <a:rPr lang="en-US" dirty="0" smtClean="0"/>
+              <a:t>CHŌRUS repo:</a:t>
+            </a:r>
+            <a:r>
+              <a:rPr lang="en-US" dirty="0"/>
+              <a:t>		 </a:t>
+            </a:r>
+            <a:r>
+              <a:rPr lang="en-US" dirty="0">
+                <a:hlinkClick r:id="rId3"/>
+              </a:rPr>
+              <a:t>https://</a:t>
+            </a:r>
+            <a:r>
+              <a:rPr lang="en-US" dirty="0" smtClean="0">
+                <a:hlinkClick r:id="rId3"/>
+              </a:rPr>
+              <a:t>github.com/altonelli/chorus</a:t>
+            </a:r>
+            <a:endParaRPr lang="en-US" dirty="0" smtClean="0"/>
+          </a:p>
+          <a:p>
+            <a:endParaRPr lang="en-US" dirty="0"/>
           </a:p>
         </p:txBody>
       </p:sp>

--- a/chorusPPT.pptx
+++ b/chorusPPT.pptx
@@ -9,8 +9,11 @@
     <p:sldId id="261" r:id="rId3"/>
     <p:sldId id="257" r:id="rId4"/>
     <p:sldId id="258" r:id="rId5"/>
-    <p:sldId id="259" r:id="rId6"/>
-    <p:sldId id="260" r:id="rId7"/>
+    <p:sldId id="262" r:id="rId6"/>
+    <p:sldId id="263" r:id="rId7"/>
+    <p:sldId id="264" r:id="rId8"/>
+    <p:sldId id="259" r:id="rId9"/>
+    <p:sldId id="260" r:id="rId10"/>
   </p:sldIdLst>
   <p:sldSz cx="12192000" cy="6858000"/>
   <p:notesSz cx="6858000" cy="9144000"/>
@@ -256,7 +259,7 @@
           <a:p>
             <a:fld id="{48A87A34-81AB-432B-8DAE-1953F412C126}" type="datetimeFigureOut">
               <a:rPr lang="en-US" dirty="0"/>
-              <a:t>5/18/16</a:t>
+              <a:t>5/19/16</a:t>
             </a:fld>
             <a:endParaRPr lang="en-US" dirty="0"/>
           </a:p>
@@ -462,7 +465,7 @@
           <a:p>
             <a:fld id="{48A87A34-81AB-432B-8DAE-1953F412C126}" type="datetimeFigureOut">
               <a:rPr lang="en-US" dirty="0"/>
-              <a:t>5/18/16</a:t>
+              <a:t>5/19/16</a:t>
             </a:fld>
             <a:endParaRPr lang="en-US" dirty="0"/>
           </a:p>
@@ -672,7 +675,7 @@
           <a:p>
             <a:fld id="{48A87A34-81AB-432B-8DAE-1953F412C126}" type="datetimeFigureOut">
               <a:rPr lang="en-US" dirty="0"/>
-              <a:t>5/18/16</a:t>
+              <a:t>5/19/16</a:t>
             </a:fld>
             <a:endParaRPr lang="en-US" dirty="0"/>
           </a:p>
@@ -868,7 +871,7 @@
           <a:p>
             <a:fld id="{48A87A34-81AB-432B-8DAE-1953F412C126}" type="datetimeFigureOut">
               <a:rPr lang="en-US" dirty="0"/>
-              <a:t>5/18/16</a:t>
+              <a:t>5/19/16</a:t>
             </a:fld>
             <a:endParaRPr lang="en-US" dirty="0"/>
           </a:p>
@@ -1142,7 +1145,7 @@
           <a:p>
             <a:fld id="{48A87A34-81AB-432B-8DAE-1953F412C126}" type="datetimeFigureOut">
               <a:rPr lang="en-US" dirty="0"/>
-              <a:t>5/18/16</a:t>
+              <a:t>5/19/16</a:t>
             </a:fld>
             <a:endParaRPr lang="en-US" dirty="0"/>
           </a:p>
@@ -1405,7 +1408,7 @@
           <a:p>
             <a:fld id="{48A87A34-81AB-432B-8DAE-1953F412C126}" type="datetimeFigureOut">
               <a:rPr lang="en-US" dirty="0"/>
-              <a:t>5/18/16</a:t>
+              <a:t>5/19/16</a:t>
             </a:fld>
             <a:endParaRPr lang="en-US" dirty="0"/>
           </a:p>
@@ -1816,7 +1819,7 @@
           <a:p>
             <a:fld id="{48A87A34-81AB-432B-8DAE-1953F412C126}" type="datetimeFigureOut">
               <a:rPr lang="en-US" dirty="0"/>
-              <a:t>5/18/16</a:t>
+              <a:t>5/19/16</a:t>
             </a:fld>
             <a:endParaRPr lang="en-US" dirty="0"/>
           </a:p>
@@ -1960,7 +1963,7 @@
           <a:p>
             <a:fld id="{48A87A34-81AB-432B-8DAE-1953F412C126}" type="datetimeFigureOut">
               <a:rPr lang="en-US" dirty="0"/>
-              <a:t>5/18/16</a:t>
+              <a:t>5/19/16</a:t>
             </a:fld>
             <a:endParaRPr lang="en-US" dirty="0"/>
           </a:p>
@@ -2081,7 +2084,7 @@
           <a:p>
             <a:fld id="{48A87A34-81AB-432B-8DAE-1953F412C126}" type="datetimeFigureOut">
               <a:rPr lang="en-US" dirty="0"/>
-              <a:t>5/18/16</a:t>
+              <a:t>5/19/16</a:t>
             </a:fld>
             <a:endParaRPr lang="en-US" dirty="0"/>
           </a:p>
@@ -2327,7 +2330,7 @@
           <a:p>
             <a:fld id="{48A87A34-81AB-432B-8DAE-1953F412C126}" type="datetimeFigureOut">
               <a:rPr lang="en-US" dirty="0"/>
-              <a:t>5/18/16</a:t>
+              <a:t>5/19/16</a:t>
             </a:fld>
             <a:endParaRPr lang="en-US" dirty="0"/>
           </a:p>
@@ -2768,7 +2771,7 @@
             <a:fld id="{48A87A34-81AB-432B-8DAE-1953F412C126}" type="datetimeFigureOut">
               <a:rPr lang="en-US" dirty="0"/>
               <a:pPr/>
-              <a:t>5/18/16</a:t>
+              <a:t>5/19/16</a:t>
             </a:fld>
             <a:endParaRPr lang="en-US" dirty="0"/>
           </a:p>
@@ -3090,7 +3093,7 @@
             <a:fld id="{48A87A34-81AB-432B-8DAE-1953F412C126}" type="datetimeFigureOut">
               <a:rPr lang="en-US" dirty="0"/>
               <a:pPr/>
-              <a:t>5/18/16</a:t>
+              <a:t>5/19/16</a:t>
             </a:fld>
             <a:endParaRPr lang="en-US" dirty="0"/>
           </a:p>
@@ -3659,6 +3662,13 @@
   <p:clrMapOvr>
     <a:masterClrMapping/>
   </p:clrMapOvr>
+  <p:timing>
+    <p:tnLst>
+      <p:par>
+        <p:cTn id="1" dur="indefinite" restart="never" nodeType="tmRoot"/>
+      </p:par>
+    </p:tnLst>
+  </p:timing>
 </p:sld>
 </file>
 
@@ -3735,8 +3745,8 @@
         </p:blipFill>
         <p:spPr>
           <a:xfrm>
-            <a:off x="1664434" y="2547258"/>
-            <a:ext cx="9177564" cy="2490329"/>
+            <a:off x="1058221" y="2235202"/>
+            <a:ext cx="10389989" cy="3149598"/>
           </a:xfrm>
           <a:ln>
             <a:solidFill>
@@ -3764,6 +3774,13 @@
   <p:clrMapOvr>
     <a:masterClrMapping/>
   </p:clrMapOvr>
+  <p:timing>
+    <p:tnLst>
+      <p:par>
+        <p:cTn id="1" dur="indefinite" restart="never" nodeType="tmRoot"/>
+      </p:par>
+    </p:tnLst>
+  </p:timing>
 </p:sld>
 </file>
 
@@ -3819,10 +3836,138 @@
         </p:nvSpPr>
         <p:spPr/>
         <p:txBody>
-          <a:bodyPr/>
-          <a:lstStyle/>
-          <a:p>
-            <a:endParaRPr lang="en-US"/>
+          <a:bodyPr>
+            <a:normAutofit fontScale="70000" lnSpcReduction="20000"/>
+          </a:bodyPr>
+          <a:lstStyle/>
+          <a:p>
+            <a:pPr>
+              <a:buFont typeface="Wingdings" charset="2"/>
+              <a:buChar char="v"/>
+            </a:pPr>
+            <a:r>
+              <a:rPr lang="en-US" sz="2400" dirty="0" smtClean="0"/>
+              <a:t>Ruby on Rails</a:t>
+            </a:r>
+          </a:p>
+          <a:p>
+            <a:pPr>
+              <a:buFont typeface="Wingdings" charset="2"/>
+              <a:buChar char="v"/>
+            </a:pPr>
+            <a:r>
+              <a:rPr lang="en-US" sz="2400" dirty="0" smtClean="0"/>
+              <a:t>Rails gems – (</a:t>
+            </a:r>
+            <a:r>
+              <a:rPr lang="en-US" sz="2400" dirty="0" err="1" smtClean="0"/>
+              <a:t>erd</a:t>
+            </a:r>
+            <a:r>
+              <a:rPr lang="en-US" sz="2400" dirty="0" smtClean="0"/>
+              <a:t>, </a:t>
+            </a:r>
+            <a:r>
+              <a:rPr lang="en-US" sz="2400" dirty="0" err="1" smtClean="0"/>
+              <a:t>friendlyID</a:t>
+            </a:r>
+            <a:r>
+              <a:rPr lang="en-US" sz="2400" dirty="0" smtClean="0"/>
+              <a:t>, cane,  jQuery-</a:t>
+            </a:r>
+            <a:r>
+              <a:rPr lang="en-US" sz="2400" dirty="0" err="1" smtClean="0"/>
+              <a:t>ui</a:t>
+            </a:r>
+            <a:r>
+              <a:rPr lang="en-US" sz="2400" dirty="0" smtClean="0"/>
+              <a:t>, jQuery-rails)</a:t>
+            </a:r>
+          </a:p>
+          <a:p>
+            <a:pPr>
+              <a:buFont typeface="Wingdings" charset="2"/>
+              <a:buChar char="v"/>
+            </a:pPr>
+            <a:r>
+              <a:rPr lang="en-US" sz="2400" dirty="0" smtClean="0"/>
+              <a:t>PostgreSQL</a:t>
+            </a:r>
+          </a:p>
+          <a:p>
+            <a:pPr>
+              <a:buFont typeface="Wingdings" charset="2"/>
+              <a:buChar char="v"/>
+            </a:pPr>
+            <a:r>
+              <a:rPr lang="en-US" sz="2400" dirty="0" smtClean="0"/>
+              <a:t> jQuery</a:t>
+            </a:r>
+          </a:p>
+          <a:p>
+            <a:pPr>
+              <a:buFont typeface="Wingdings" charset="2"/>
+              <a:buChar char="v"/>
+            </a:pPr>
+            <a:r>
+              <a:rPr lang="en-US" sz="2400" dirty="0" err="1" smtClean="0"/>
+              <a:t>Turbolinks</a:t>
+            </a:r>
+            <a:endParaRPr lang="en-US" sz="2400" dirty="0" smtClean="0"/>
+          </a:p>
+          <a:p>
+            <a:pPr>
+              <a:buFont typeface="Wingdings" charset="2"/>
+              <a:buChar char="v"/>
+            </a:pPr>
+            <a:r>
+              <a:rPr lang="en-US" sz="2400" dirty="0" smtClean="0"/>
+              <a:t>Bootstrap &amp; </a:t>
+            </a:r>
+            <a:r>
+              <a:rPr lang="en-US" sz="2400" dirty="0" err="1" smtClean="0"/>
+              <a:t>Bootswatch</a:t>
+            </a:r>
+            <a:endParaRPr lang="en-US" sz="2400" dirty="0" smtClean="0"/>
+          </a:p>
+          <a:p>
+            <a:pPr>
+              <a:buFont typeface="Wingdings" charset="2"/>
+              <a:buChar char="v"/>
+            </a:pPr>
+            <a:r>
+              <a:rPr lang="en-US" sz="2400" dirty="0" err="1" smtClean="0"/>
+              <a:t>Rspec</a:t>
+            </a:r>
+            <a:endParaRPr lang="en-US" sz="2400" dirty="0" smtClean="0"/>
+          </a:p>
+          <a:p>
+            <a:pPr>
+              <a:buFont typeface="Wingdings" charset="2"/>
+              <a:buChar char="v"/>
+            </a:pPr>
+            <a:r>
+              <a:rPr lang="en-US" sz="2400" dirty="0" smtClean="0"/>
+              <a:t>Sass</a:t>
+            </a:r>
+          </a:p>
+          <a:p>
+            <a:pPr>
+              <a:buFont typeface="Wingdings" charset="2"/>
+              <a:buChar char="v"/>
+            </a:pPr>
+            <a:r>
+              <a:rPr lang="en-US" sz="2400" dirty="0" err="1" smtClean="0"/>
+              <a:t>Heroku</a:t>
+            </a:r>
+            <a:endParaRPr lang="en-US" sz="2400" dirty="0" smtClean="0"/>
+          </a:p>
+          <a:p>
+            <a:pPr>
+              <a:buFont typeface="Wingdings" charset="2"/>
+              <a:buChar char="v"/>
+            </a:pPr>
+            <a:endParaRPr lang="en-US" dirty="0"/>
           </a:p>
         </p:txBody>
       </p:sp>
@@ -3836,6 +3981,13 @@
   <p:clrMapOvr>
     <a:masterClrMapping/>
   </p:clrMapOvr>
+  <p:timing>
+    <p:tnLst>
+      <p:par>
+        <p:cTn id="1" dur="indefinite" restart="never" nodeType="tmRoot"/>
+      </p:par>
+    </p:tnLst>
+  </p:timing>
 </p:sld>
 </file>
 
@@ -3873,28 +4025,94 @@
           <a:p>
             <a:r>
               <a:rPr lang="en-US" dirty="0" smtClean="0"/>
-              <a:t>Future plans</a:t>
-            </a:r>
-            <a:endParaRPr lang="en-US" dirty="0"/>
-          </a:p>
-        </p:txBody>
-      </p:sp>
-      <p:sp>
-        <p:nvSpPr>
-          <p:cNvPr id="3" name="Content Placeholder 2"/>
-          <p:cNvSpPr>
-            <a:spLocks noGrp="1"/>
-          </p:cNvSpPr>
+              <a:t>Wireframe – splash page</a:t>
+            </a:r>
+            <a:endParaRPr lang="en-US" dirty="0"/>
+          </a:p>
+        </p:txBody>
+      </p:sp>
+      <p:pic>
+        <p:nvPicPr>
+          <p:cNvPr id="4" name="Content Placeholder 3"/>
+          <p:cNvPicPr>
+            <a:picLocks noGrp="1" noChangeAspect="1"/>
+          </p:cNvPicPr>
           <p:nvPr>
             <p:ph idx="1"/>
           </p:nvPr>
-        </p:nvSpPr>
-        <p:spPr/>
-        <p:txBody>
-          <a:bodyPr/>
-          <a:lstStyle/>
-          <a:p>
-            <a:endParaRPr lang="en-US"/>
+        </p:nvPicPr>
+        <p:blipFill>
+          <a:blip r:embed="rId2">
+            <a:extLst>
+              <a:ext uri="{28A0092B-C50C-407E-A947-70E740481C1C}">
+                <a14:useLocalDpi xmlns:a14="http://schemas.microsoft.com/office/drawing/2010/main" val="0"/>
+              </a:ext>
+            </a:extLst>
+          </a:blip>
+          <a:stretch>
+            <a:fillRect/>
+          </a:stretch>
+        </p:blipFill>
+        <p:spPr>
+          <a:xfrm>
+            <a:off x="1451579" y="2058194"/>
+            <a:ext cx="5609695" cy="3489364"/>
+          </a:xfrm>
+          <a:ln w="38100">
+            <a:solidFill>
+              <a:schemeClr val="tx1"/>
+            </a:solidFill>
+          </a:ln>
+        </p:spPr>
+      </p:pic>
+      <p:sp>
+        <p:nvSpPr>
+          <p:cNvPr id="6" name="TextBox 5"/>
+          <p:cNvSpPr txBox="1"/>
+          <p:nvPr/>
+        </p:nvSpPr>
+        <p:spPr>
+          <a:xfrm>
+            <a:off x="7924800" y="2058194"/>
+            <a:ext cx="3130054" cy="1323439"/>
+          </a:xfrm>
+          <a:prstGeom prst="rect">
+            <a:avLst/>
+          </a:prstGeom>
+          <a:noFill/>
+        </p:spPr>
+        <p:txBody>
+          <a:bodyPr wrap="square" rtlCol="0">
+            <a:spAutoFit/>
+          </a:bodyPr>
+          <a:lstStyle/>
+          <a:p>
+            <a:pPr marL="285750" indent="-285750">
+              <a:buFont typeface="Arial" charset="0"/>
+              <a:buChar char="•"/>
+            </a:pPr>
+            <a:r>
+              <a:rPr lang="en-US" sz="2000" dirty="0" smtClean="0"/>
+              <a:t>User is able to see the splash page with </a:t>
+            </a:r>
+            <a:r>
+              <a:rPr lang="en-US" sz="2000" dirty="0" err="1" smtClean="0"/>
+              <a:t>nav</a:t>
+            </a:r>
+            <a:r>
+              <a:rPr lang="en-US" sz="2000" dirty="0" smtClean="0"/>
+              <a:t>-bar</a:t>
+            </a:r>
+          </a:p>
+          <a:p>
+            <a:pPr marL="285750" indent="-285750">
+              <a:buFont typeface="Arial" charset="0"/>
+              <a:buChar char="•"/>
+            </a:pPr>
+            <a:r>
+              <a:rPr lang="en-US" sz="2000" dirty="0" smtClean="0"/>
+              <a:t>User is able to log-in / sign-up</a:t>
+            </a:r>
           </a:p>
         </p:txBody>
       </p:sp>
@@ -3908,6 +4126,13 @@
   <p:clrMapOvr>
     <a:masterClrMapping/>
   </p:clrMapOvr>
+  <p:timing>
+    <p:tnLst>
+      <p:par>
+        <p:cTn id="1" dur="indefinite" restart="never" nodeType="tmRoot"/>
+      </p:par>
+    </p:tnLst>
+  </p:timing>
 </p:sld>
 </file>
 
@@ -3945,11 +4170,7 @@
           <a:p>
             <a:r>
               <a:rPr lang="en-US" dirty="0" smtClean="0"/>
-              <a:t>Thanks To</a:t>
-            </a:r>
-            <a:r>
-              <a:rPr lang="is-IS" dirty="0" smtClean="0"/>
-              <a:t>…</a:t>
+              <a:t>WIREFRAME – UNIT SHOW</a:t>
             </a:r>
             <a:endParaRPr lang="en-US" dirty="0"/>
           </a:p>
@@ -3979,21 +4200,93 @@
         </p:blipFill>
         <p:spPr>
           <a:xfrm>
-            <a:off x="5027612" y="2515394"/>
-            <a:ext cx="2451100" cy="2451100"/>
-          </a:xfrm>
+            <a:off x="1451579" y="2087828"/>
+            <a:ext cx="5236105" cy="3311066"/>
+          </a:xfrm>
+          <a:ln w="38100">
+            <a:solidFill>
+              <a:schemeClr val="tx1"/>
+            </a:solidFill>
+          </a:ln>
         </p:spPr>
       </p:pic>
+      <p:sp>
+        <p:nvSpPr>
+          <p:cNvPr id="5" name="TextBox 4"/>
+          <p:cNvSpPr txBox="1"/>
+          <p:nvPr/>
+        </p:nvSpPr>
+        <p:spPr>
+          <a:xfrm>
+            <a:off x="7315200" y="2087828"/>
+            <a:ext cx="3739654" cy="3139321"/>
+          </a:xfrm>
+          <a:prstGeom prst="rect">
+            <a:avLst/>
+          </a:prstGeom>
+          <a:noFill/>
+        </p:spPr>
+        <p:txBody>
+          <a:bodyPr wrap="square" rtlCol="0">
+            <a:spAutoFit/>
+          </a:bodyPr>
+          <a:lstStyle/>
+          <a:p>
+            <a:pPr marL="285750" indent="-285750">
+              <a:buFont typeface="Arial" charset="0"/>
+              <a:buChar char="•"/>
+            </a:pPr>
+            <a:r>
+              <a:rPr lang="en-US" sz="2000" dirty="0" smtClean="0"/>
+              <a:t>Upon log-in/ sign-up, if user is part of a Unit, he/she is able to see the UNIT SHOW page</a:t>
+            </a:r>
+          </a:p>
+          <a:p>
+            <a:pPr marL="285750" indent="-285750">
+              <a:buFont typeface="Arial" charset="0"/>
+              <a:buChar char="•"/>
+            </a:pPr>
+            <a:r>
+              <a:rPr lang="en-US" sz="2000" dirty="0" smtClean="0"/>
+              <a:t>If a user is not a part of a unit, he/she can create or request to Join from UNITS index page.</a:t>
+            </a:r>
+          </a:p>
+          <a:p>
+            <a:pPr marL="285750" indent="-285750">
+              <a:buFont typeface="Arial" charset="0"/>
+              <a:buChar char="•"/>
+            </a:pPr>
+            <a:r>
+              <a:rPr lang="en-US" sz="2000" dirty="0" smtClean="0"/>
+              <a:t> UNIT consists of roommate info cards, link to CHORES INDEX &amp; Unit info</a:t>
+            </a:r>
+          </a:p>
+          <a:p>
+            <a:pPr marL="285750" indent="-285750">
+              <a:buFont typeface="Arial" charset="0"/>
+              <a:buChar char="•"/>
+            </a:pPr>
+            <a:endParaRPr lang="en-US" dirty="0"/>
+          </a:p>
+        </p:txBody>
+      </p:sp>
     </p:spTree>
     <p:extLst>
       <p:ext uri="{BB962C8B-B14F-4D97-AF65-F5344CB8AC3E}">
-        <p14:creationId xmlns:p14="http://schemas.microsoft.com/office/powerpoint/2010/main" val="1153210743"/>
+        <p14:creationId xmlns:p14="http://schemas.microsoft.com/office/powerpoint/2010/main" val="2098095335"/>
       </p:ext>
     </p:extLst>
   </p:cSld>
   <p:clrMapOvr>
     <a:masterClrMapping/>
   </p:clrMapOvr>
+  <p:timing>
+    <p:tnLst>
+      <p:par>
+        <p:cTn id="1" dur="indefinite" restart="never" nodeType="tmRoot"/>
+      </p:par>
+    </p:tnLst>
+  </p:timing>
 </p:sld>
 </file>
 
@@ -4029,7 +4322,390 @@
           <a:bodyPr/>
           <a:lstStyle/>
           <a:p>
-            <a:endParaRPr lang="en-US"/>
+            <a:r>
+              <a:rPr lang="en-US" dirty="0" smtClean="0"/>
+              <a:t>WIREFRAME – CHORES INDEX</a:t>
+            </a:r>
+            <a:endParaRPr lang="en-US" dirty="0"/>
+          </a:p>
+        </p:txBody>
+      </p:sp>
+      <p:pic>
+        <p:nvPicPr>
+          <p:cNvPr id="4" name="Content Placeholder 3"/>
+          <p:cNvPicPr>
+            <a:picLocks noGrp="1" noChangeAspect="1"/>
+          </p:cNvPicPr>
+          <p:nvPr>
+            <p:ph idx="1"/>
+          </p:nvPr>
+        </p:nvPicPr>
+        <p:blipFill>
+          <a:blip r:embed="rId2">
+            <a:extLst>
+              <a:ext uri="{28A0092B-C50C-407E-A947-70E740481C1C}">
+                <a14:useLocalDpi xmlns:a14="http://schemas.microsoft.com/office/drawing/2010/main" val="0"/>
+              </a:ext>
+            </a:extLst>
+          </a:blip>
+          <a:stretch>
+            <a:fillRect/>
+          </a:stretch>
+        </p:blipFill>
+        <p:spPr>
+          <a:xfrm>
+            <a:off x="1451579" y="2073011"/>
+            <a:ext cx="5703888" cy="3484796"/>
+          </a:xfrm>
+          <a:ln w="38100">
+            <a:solidFill>
+              <a:schemeClr val="tx1"/>
+            </a:solidFill>
+          </a:ln>
+        </p:spPr>
+      </p:pic>
+      <p:sp>
+        <p:nvSpPr>
+          <p:cNvPr id="5" name="TextBox 4"/>
+          <p:cNvSpPr txBox="1"/>
+          <p:nvPr/>
+        </p:nvSpPr>
+        <p:spPr>
+          <a:xfrm>
+            <a:off x="7823200" y="2073011"/>
+            <a:ext cx="3231654" cy="3477875"/>
+          </a:xfrm>
+          <a:prstGeom prst="rect">
+            <a:avLst/>
+          </a:prstGeom>
+          <a:noFill/>
+        </p:spPr>
+        <p:txBody>
+          <a:bodyPr wrap="square" rtlCol="0">
+            <a:spAutoFit/>
+          </a:bodyPr>
+          <a:lstStyle/>
+          <a:p>
+            <a:pPr marL="342900" indent="-342900">
+              <a:buFont typeface="Arial" charset="0"/>
+              <a:buChar char="•"/>
+            </a:pPr>
+            <a:r>
+              <a:rPr lang="en-US" sz="2000" dirty="0" smtClean="0"/>
+              <a:t>User is able to see Completed/ Incomplete Chores &amp; Due Date</a:t>
+            </a:r>
+          </a:p>
+          <a:p>
+            <a:pPr marL="342900" indent="-342900">
+              <a:buFont typeface="Arial" charset="0"/>
+              <a:buChar char="•"/>
+            </a:pPr>
+            <a:r>
+              <a:rPr lang="en-US" sz="2000" dirty="0" smtClean="0"/>
+              <a:t>The cards display the chore title &amp; details and who the chore is assigned to</a:t>
+            </a:r>
+          </a:p>
+          <a:p>
+            <a:pPr marL="342900" indent="-342900">
+              <a:buFont typeface="Arial" charset="0"/>
+              <a:buChar char="•"/>
+            </a:pPr>
+            <a:r>
+              <a:rPr lang="en-US" sz="2000" dirty="0" smtClean="0"/>
+              <a:t>User is able to reassign each chore &amp; edit the due date for all of the chores at once</a:t>
+            </a:r>
+            <a:endParaRPr lang="en-US" sz="2000" dirty="0"/>
+          </a:p>
+        </p:txBody>
+      </p:sp>
+    </p:spTree>
+    <p:extLst>
+      <p:ext uri="{BB962C8B-B14F-4D97-AF65-F5344CB8AC3E}">
+        <p14:creationId xmlns:p14="http://schemas.microsoft.com/office/powerpoint/2010/main" val="1591618979"/>
+      </p:ext>
+    </p:extLst>
+  </p:cSld>
+  <p:clrMapOvr>
+    <a:masterClrMapping/>
+  </p:clrMapOvr>
+  <p:timing>
+    <p:tnLst>
+      <p:par>
+        <p:cTn id="1" dur="indefinite" restart="never" nodeType="tmRoot"/>
+      </p:par>
+    </p:tnLst>
+  </p:timing>
+</p:sld>
+</file>
+
+<file path=ppt/slides/slide7.xml><?xml version="1.0" encoding="utf-8"?>
+<p:sld xmlns:a="http://schemas.openxmlformats.org/drawingml/2006/main" xmlns:r="http://schemas.openxmlformats.org/officeDocument/2006/relationships" xmlns:p="http://schemas.openxmlformats.org/presentationml/2006/main">
+  <p:cSld>
+    <p:spTree>
+      <p:nvGrpSpPr>
+        <p:cNvPr id="1" name=""/>
+        <p:cNvGrpSpPr/>
+        <p:nvPr/>
+      </p:nvGrpSpPr>
+      <p:grpSpPr>
+        <a:xfrm>
+          <a:off x="0" y="0"/>
+          <a:ext cx="0" cy="0"/>
+          <a:chOff x="0" y="0"/>
+          <a:chExt cx="0" cy="0"/>
+        </a:xfrm>
+      </p:grpSpPr>
+      <p:sp>
+        <p:nvSpPr>
+          <p:cNvPr id="2" name="Title 1"/>
+          <p:cNvSpPr>
+            <a:spLocks noGrp="1"/>
+          </p:cNvSpPr>
+          <p:nvPr>
+            <p:ph type="title"/>
+          </p:nvPr>
+        </p:nvSpPr>
+        <p:spPr/>
+        <p:txBody>
+          <a:bodyPr/>
+          <a:lstStyle/>
+          <a:p>
+            <a:r>
+              <a:rPr lang="en-US" dirty="0" smtClean="0"/>
+              <a:t>WIREFRAME – USER show page</a:t>
+            </a:r>
+            <a:endParaRPr lang="en-US" dirty="0"/>
+          </a:p>
+        </p:txBody>
+      </p:sp>
+      <p:pic>
+        <p:nvPicPr>
+          <p:cNvPr id="4" name="Content Placeholder 3"/>
+          <p:cNvPicPr>
+            <a:picLocks noGrp="1" noChangeAspect="1"/>
+          </p:cNvPicPr>
+          <p:nvPr>
+            <p:ph idx="1"/>
+          </p:nvPr>
+        </p:nvPicPr>
+        <p:blipFill>
+          <a:blip r:embed="rId2">
+            <a:extLst>
+              <a:ext uri="{28A0092B-C50C-407E-A947-70E740481C1C}">
+                <a14:useLocalDpi xmlns:a14="http://schemas.microsoft.com/office/drawing/2010/main" val="0"/>
+              </a:ext>
+            </a:extLst>
+          </a:blip>
+          <a:stretch>
+            <a:fillRect/>
+          </a:stretch>
+        </p:blipFill>
+        <p:spPr>
+          <a:xfrm>
+            <a:off x="1451579" y="2206360"/>
+            <a:ext cx="5502805" cy="3330645"/>
+          </a:xfrm>
+          <a:ln w="38100">
+            <a:solidFill>
+              <a:schemeClr val="tx1"/>
+            </a:solidFill>
+          </a:ln>
+        </p:spPr>
+      </p:pic>
+      <p:sp>
+        <p:nvSpPr>
+          <p:cNvPr id="5" name="TextBox 4"/>
+          <p:cNvSpPr txBox="1"/>
+          <p:nvPr/>
+        </p:nvSpPr>
+        <p:spPr>
+          <a:xfrm>
+            <a:off x="7772400" y="2206360"/>
+            <a:ext cx="3031067" cy="1938992"/>
+          </a:xfrm>
+          <a:prstGeom prst="rect">
+            <a:avLst/>
+          </a:prstGeom>
+          <a:noFill/>
+        </p:spPr>
+        <p:txBody>
+          <a:bodyPr wrap="square" rtlCol="0">
+            <a:spAutoFit/>
+          </a:bodyPr>
+          <a:lstStyle/>
+          <a:p>
+            <a:pPr marL="342900" indent="-342900">
+              <a:buFont typeface="Arial" charset="0"/>
+              <a:buChar char="•"/>
+            </a:pPr>
+            <a:r>
+              <a:rPr lang="en-US" sz="2000" dirty="0" smtClean="0"/>
+              <a:t>User’s info with authorization required to Edit &amp; Chores Show cards</a:t>
+            </a:r>
+          </a:p>
+          <a:p>
+            <a:pPr marL="342900" indent="-342900">
+              <a:buFont typeface="Arial" charset="0"/>
+              <a:buChar char="•"/>
+            </a:pPr>
+            <a:r>
+              <a:rPr lang="en-US" sz="2000" dirty="0" smtClean="0"/>
+              <a:t>Back link to User’s Unit Page</a:t>
+            </a:r>
+            <a:endParaRPr lang="en-US" sz="2000" dirty="0"/>
+          </a:p>
+        </p:txBody>
+      </p:sp>
+    </p:spTree>
+    <p:extLst>
+      <p:ext uri="{BB962C8B-B14F-4D97-AF65-F5344CB8AC3E}">
+        <p14:creationId xmlns:p14="http://schemas.microsoft.com/office/powerpoint/2010/main" val="1859674226"/>
+      </p:ext>
+    </p:extLst>
+  </p:cSld>
+  <p:clrMapOvr>
+    <a:masterClrMapping/>
+  </p:clrMapOvr>
+  <p:timing>
+    <p:tnLst>
+      <p:par>
+        <p:cTn id="1" dur="indefinite" restart="never" nodeType="tmRoot"/>
+      </p:par>
+    </p:tnLst>
+  </p:timing>
+</p:sld>
+</file>
+
+<file path=ppt/slides/slide8.xml><?xml version="1.0" encoding="utf-8"?>
+<p:sld xmlns:a="http://schemas.openxmlformats.org/drawingml/2006/main" xmlns:r="http://schemas.openxmlformats.org/officeDocument/2006/relationships" xmlns:p="http://schemas.openxmlformats.org/presentationml/2006/main">
+  <p:cSld>
+    <p:spTree>
+      <p:nvGrpSpPr>
+        <p:cNvPr id="1" name=""/>
+        <p:cNvGrpSpPr/>
+        <p:nvPr/>
+      </p:nvGrpSpPr>
+      <p:grpSpPr>
+        <a:xfrm>
+          <a:off x="0" y="0"/>
+          <a:ext cx="0" cy="0"/>
+          <a:chOff x="0" y="0"/>
+          <a:chExt cx="0" cy="0"/>
+        </a:xfrm>
+      </p:grpSpPr>
+      <p:sp>
+        <p:nvSpPr>
+          <p:cNvPr id="2" name="Title 1"/>
+          <p:cNvSpPr>
+            <a:spLocks noGrp="1"/>
+          </p:cNvSpPr>
+          <p:nvPr>
+            <p:ph type="title"/>
+          </p:nvPr>
+        </p:nvSpPr>
+        <p:spPr/>
+        <p:txBody>
+          <a:bodyPr/>
+          <a:lstStyle/>
+          <a:p>
+            <a:r>
+              <a:rPr lang="en-US" dirty="0" smtClean="0"/>
+              <a:t>Thanks To</a:t>
+            </a:r>
+            <a:r>
+              <a:rPr lang="is-IS" dirty="0" smtClean="0"/>
+              <a:t>…</a:t>
+            </a:r>
+            <a:endParaRPr lang="en-US" dirty="0"/>
+          </a:p>
+        </p:txBody>
+      </p:sp>
+      <p:pic>
+        <p:nvPicPr>
+          <p:cNvPr id="4" name="Content Placeholder 3"/>
+          <p:cNvPicPr>
+            <a:picLocks noGrp="1" noChangeAspect="1"/>
+          </p:cNvPicPr>
+          <p:nvPr>
+            <p:ph idx="1"/>
+          </p:nvPr>
+        </p:nvPicPr>
+        <p:blipFill>
+          <a:blip r:embed="rId2">
+            <a:extLst>
+              <a:ext uri="{28A0092B-C50C-407E-A947-70E740481C1C}">
+                <a14:useLocalDpi xmlns:a14="http://schemas.microsoft.com/office/drawing/2010/main" val="0"/>
+              </a:ext>
+            </a:extLst>
+          </a:blip>
+          <a:stretch>
+            <a:fillRect/>
+          </a:stretch>
+        </p:blipFill>
+        <p:spPr>
+          <a:xfrm>
+            <a:off x="5027612" y="2515394"/>
+            <a:ext cx="2451100" cy="2451100"/>
+          </a:xfrm>
+        </p:spPr>
+      </p:pic>
+    </p:spTree>
+    <p:extLst>
+      <p:ext uri="{BB962C8B-B14F-4D97-AF65-F5344CB8AC3E}">
+        <p14:creationId xmlns:p14="http://schemas.microsoft.com/office/powerpoint/2010/main" val="1153210743"/>
+      </p:ext>
+    </p:extLst>
+  </p:cSld>
+  <p:clrMapOvr>
+    <a:masterClrMapping/>
+  </p:clrMapOvr>
+  <p:timing>
+    <p:tnLst>
+      <p:par>
+        <p:cTn id="1" dur="indefinite" restart="never" nodeType="tmRoot"/>
+      </p:par>
+    </p:tnLst>
+  </p:timing>
+</p:sld>
+</file>
+
+<file path=ppt/slides/slide9.xml><?xml version="1.0" encoding="utf-8"?>
+<p:sld xmlns:a="http://schemas.openxmlformats.org/drawingml/2006/main" xmlns:r="http://schemas.openxmlformats.org/officeDocument/2006/relationships" xmlns:p="http://schemas.openxmlformats.org/presentationml/2006/main">
+  <p:cSld>
+    <p:spTree>
+      <p:nvGrpSpPr>
+        <p:cNvPr id="1" name=""/>
+        <p:cNvGrpSpPr/>
+        <p:nvPr/>
+      </p:nvGrpSpPr>
+      <p:grpSpPr>
+        <a:xfrm>
+          <a:off x="0" y="0"/>
+          <a:ext cx="0" cy="0"/>
+          <a:chOff x="0" y="0"/>
+          <a:chExt cx="0" cy="0"/>
+        </a:xfrm>
+      </p:grpSpPr>
+      <p:sp>
+        <p:nvSpPr>
+          <p:cNvPr id="2" name="Title 1"/>
+          <p:cNvSpPr>
+            <a:spLocks noGrp="1"/>
+          </p:cNvSpPr>
+          <p:nvPr>
+            <p:ph type="title"/>
+          </p:nvPr>
+        </p:nvSpPr>
+        <p:spPr/>
+        <p:txBody>
+          <a:bodyPr/>
+          <a:lstStyle/>
+          <a:p>
+            <a:r>
+              <a:rPr lang="en-US" dirty="0" smtClean="0"/>
+              <a:t>Members</a:t>
+            </a:r>
+            <a:endParaRPr lang="en-US" dirty="0"/>
           </a:p>
         </p:txBody>
       </p:sp>
@@ -4048,7 +4724,63 @@
           <a:bodyPr/>
           <a:lstStyle/>
           <a:p>
-            <a:endParaRPr lang="en-US"/>
+            <a:r>
+              <a:rPr lang="en-US" dirty="0" err="1" smtClean="0"/>
+              <a:t>Heroku</a:t>
+            </a:r>
+            <a:r>
+              <a:rPr lang="en-US" dirty="0" smtClean="0"/>
+              <a:t> link: 			</a:t>
+            </a:r>
+            <a:r>
+              <a:rPr lang="en-US" dirty="0" smtClean="0">
+                <a:hlinkClick r:id="rId2"/>
+              </a:rPr>
+              <a:t>https</a:t>
+            </a:r>
+            <a:r>
+              <a:rPr lang="en-US" dirty="0">
+                <a:hlinkClick r:id="rId2"/>
+              </a:rPr>
+              <a:t>://gentle-ocean-15832.herokuapp.com</a:t>
+            </a:r>
+            <a:r>
+              <a:rPr lang="en-US" dirty="0" smtClean="0">
+                <a:hlinkClick r:id="rId2"/>
+              </a:rPr>
+              <a:t>/</a:t>
+            </a:r>
+            <a:endParaRPr lang="en-US" dirty="0" smtClean="0"/>
+          </a:p>
+          <a:p>
+            <a:r>
+              <a:rPr lang="en-US" dirty="0" smtClean="0"/>
+              <a:t>GitHub </a:t>
+            </a:r>
+            <a:r>
+              <a:rPr lang="en-US" dirty="0" smtClean="0"/>
+              <a:t>CHŌRUS repo:</a:t>
+            </a:r>
+            <a:r>
+              <a:rPr lang="en-US" dirty="0"/>
+              <a:t>		 </a:t>
+            </a:r>
+            <a:r>
+              <a:rPr lang="en-US" dirty="0">
+                <a:hlinkClick r:id="rId3"/>
+              </a:rPr>
+              <a:t>https://</a:t>
+            </a:r>
+            <a:r>
+              <a:rPr lang="en-US" dirty="0" smtClean="0">
+                <a:hlinkClick r:id="rId3"/>
+              </a:rPr>
+              <a:t>github.com/altonelli/chorus</a:t>
+            </a:r>
+            <a:endParaRPr lang="en-US" dirty="0" smtClean="0"/>
+          </a:p>
+          <a:p>
+            <a:endParaRPr lang="en-US" dirty="0"/>
           </a:p>
         </p:txBody>
       </p:sp>
@@ -4062,6 +4794,13 @@
   <p:clrMapOvr>
     <a:masterClrMapping/>
   </p:clrMapOvr>
+  <p:timing>
+    <p:tnLst>
+      <p:par>
+        <p:cTn id="1" dur="indefinite" restart="never" nodeType="tmRoot"/>
+      </p:par>
+    </p:tnLst>
+  </p:timing>
 </p:sld>
 </file>
 
